--- a/presentation/Presentacion_RN.pptx
+++ b/presentation/Presentacion_RN.pptx
@@ -10,9 +10,10 @@
     <p:sldId id="258" r:id="rId4"/>
     <p:sldId id="259" r:id="rId5"/>
     <p:sldId id="260" r:id="rId6"/>
-    <p:sldId id="261" r:id="rId7"/>
-    <p:sldId id="262" r:id="rId8"/>
-    <p:sldId id="263" r:id="rId9"/>
+    <p:sldId id="264" r:id="rId7"/>
+    <p:sldId id="261" r:id="rId8"/>
+    <p:sldId id="262" r:id="rId9"/>
+    <p:sldId id="263" r:id="rId10"/>
   </p:sldIdLst>
   <p:sldSz cx="9144000" cy="6858000" type="screen4x3"/>
   <p:notesSz cx="6858000" cy="9144000"/>
@@ -381,6 +382,7 @@
           <a:p>
             <a:fld id="{63C4DA5F-B7ED-E443-8E78-78D5F5F02611}" type="datetimeFigureOut">
               <a:rPr lang="en-US" smtClean="0"/>
+              <a:pPr/>
               <a:t>4/24/13</a:t>
             </a:fld>
             <a:endParaRPr lang="en-US"/>
@@ -694,6 +696,7 @@
           <a:p>
             <a:fld id="{63C4DA5F-B7ED-E443-8E78-78D5F5F02611}" type="datetimeFigureOut">
               <a:rPr lang="en-US" smtClean="0"/>
+              <a:pPr/>
               <a:t>4/24/13</a:t>
             </a:fld>
             <a:endParaRPr lang="en-US"/>
@@ -736,6 +739,7 @@
           <a:p>
             <a:fld id="{52AD8D46-7709-2A47-B75B-462F1E74D78A}" type="slidenum">
               <a:rPr lang="en-US" smtClean="0"/>
+              <a:pPr/>
               <a:t>‹#›</a:t>
             </a:fld>
             <a:endParaRPr lang="en-US"/>
@@ -1057,6 +1061,7 @@
           <a:p>
             <a:fld id="{63C4DA5F-B7ED-E443-8E78-78D5F5F02611}" type="datetimeFigureOut">
               <a:rPr lang="en-US" smtClean="0"/>
+              <a:pPr/>
               <a:t>4/24/13</a:t>
             </a:fld>
             <a:endParaRPr lang="en-US"/>
@@ -1099,6 +1104,7 @@
           <a:p>
             <a:fld id="{52AD8D46-7709-2A47-B75B-462F1E74D78A}" type="slidenum">
               <a:rPr lang="en-US" smtClean="0"/>
+              <a:pPr/>
               <a:t>‹#›</a:t>
             </a:fld>
             <a:endParaRPr lang="en-US"/>
@@ -1519,6 +1525,7 @@
           <a:p>
             <a:fld id="{63C4DA5F-B7ED-E443-8E78-78D5F5F02611}" type="datetimeFigureOut">
               <a:rPr lang="en-US" smtClean="0"/>
+              <a:pPr/>
               <a:t>4/24/13</a:t>
             </a:fld>
             <a:endParaRPr lang="en-US"/>
@@ -1561,6 +1568,7 @@
           <a:p>
             <a:fld id="{52AD8D46-7709-2A47-B75B-462F1E74D78A}" type="slidenum">
               <a:rPr lang="en-US" smtClean="0"/>
+              <a:pPr/>
               <a:t>‹#›</a:t>
             </a:fld>
             <a:endParaRPr lang="en-US"/>
@@ -1855,6 +1863,7 @@
           <a:p>
             <a:fld id="{63C4DA5F-B7ED-E443-8E78-78D5F5F02611}" type="datetimeFigureOut">
               <a:rPr lang="en-US" smtClean="0"/>
+              <a:pPr/>
               <a:t>4/24/13</a:t>
             </a:fld>
             <a:endParaRPr lang="en-US"/>
@@ -1897,6 +1906,7 @@
           <a:p>
             <a:fld id="{52AD8D46-7709-2A47-B75B-462F1E74D78A}" type="slidenum">
               <a:rPr lang="en-US" smtClean="0"/>
+              <a:pPr/>
               <a:t>‹#›</a:t>
             </a:fld>
             <a:endParaRPr lang="en-US"/>
@@ -2230,6 +2240,7 @@
           <a:p>
             <a:fld id="{63C4DA5F-B7ED-E443-8E78-78D5F5F02611}" type="datetimeFigureOut">
               <a:rPr lang="en-US" smtClean="0"/>
+              <a:pPr/>
               <a:t>4/24/13</a:t>
             </a:fld>
             <a:endParaRPr lang="en-US"/>
@@ -2272,6 +2283,7 @@
           <a:p>
             <a:fld id="{52AD8D46-7709-2A47-B75B-462F1E74D78A}" type="slidenum">
               <a:rPr lang="en-US" smtClean="0"/>
+              <a:pPr/>
               <a:t>‹#›</a:t>
             </a:fld>
             <a:endParaRPr lang="en-US"/>
@@ -2547,6 +2559,7 @@
           <a:p>
             <a:fld id="{63C4DA5F-B7ED-E443-8E78-78D5F5F02611}" type="datetimeFigureOut">
               <a:rPr lang="en-US" smtClean="0"/>
+              <a:pPr/>
               <a:t>4/24/13</a:t>
             </a:fld>
             <a:endParaRPr lang="en-US"/>
@@ -2589,6 +2602,7 @@
           <a:p>
             <a:fld id="{52AD8D46-7709-2A47-B75B-462F1E74D78A}" type="slidenum">
               <a:rPr lang="en-US" smtClean="0"/>
+              <a:pPr/>
               <a:t>‹#›</a:t>
             </a:fld>
             <a:endParaRPr lang="en-US"/>
@@ -2885,6 +2899,7 @@
           <a:p>
             <a:fld id="{63C4DA5F-B7ED-E443-8E78-78D5F5F02611}" type="datetimeFigureOut">
               <a:rPr lang="en-US" smtClean="0"/>
+              <a:pPr/>
               <a:t>4/24/13</a:t>
             </a:fld>
             <a:endParaRPr lang="en-US"/>
@@ -2927,6 +2942,7 @@
           <a:p>
             <a:fld id="{52AD8D46-7709-2A47-B75B-462F1E74D78A}" type="slidenum">
               <a:rPr lang="en-US" smtClean="0"/>
+              <a:pPr/>
               <a:t>‹#›</a:t>
             </a:fld>
             <a:endParaRPr lang="en-US"/>
@@ -3332,6 +3348,7 @@
           <a:p>
             <a:fld id="{63C4DA5F-B7ED-E443-8E78-78D5F5F02611}" type="datetimeFigureOut">
               <a:rPr lang="en-US" smtClean="0"/>
+              <a:pPr/>
               <a:t>4/24/13</a:t>
             </a:fld>
             <a:endParaRPr lang="en-US"/>
@@ -3374,6 +3391,7 @@
           <a:p>
             <a:fld id="{52AD8D46-7709-2A47-B75B-462F1E74D78A}" type="slidenum">
               <a:rPr lang="en-US" smtClean="0"/>
+              <a:pPr/>
               <a:t>‹#›</a:t>
             </a:fld>
             <a:endParaRPr lang="en-US"/>
@@ -3603,6 +3621,7 @@
           <a:p>
             <a:fld id="{63C4DA5F-B7ED-E443-8E78-78D5F5F02611}" type="datetimeFigureOut">
               <a:rPr lang="en-US" smtClean="0"/>
+              <a:pPr/>
               <a:t>4/24/13</a:t>
             </a:fld>
             <a:endParaRPr lang="en-US"/>
@@ -3645,6 +3664,7 @@
           <a:p>
             <a:fld id="{52AD8D46-7709-2A47-B75B-462F1E74D78A}" type="slidenum">
               <a:rPr lang="en-US" smtClean="0"/>
+              <a:pPr/>
               <a:t>‹#›</a:t>
             </a:fld>
             <a:endParaRPr lang="en-US"/>
@@ -3890,6 +3910,7 @@
           <a:p>
             <a:fld id="{63C4DA5F-B7ED-E443-8E78-78D5F5F02611}" type="datetimeFigureOut">
               <a:rPr lang="en-US" smtClean="0"/>
+              <a:pPr/>
               <a:t>4/24/13</a:t>
             </a:fld>
             <a:endParaRPr lang="en-US"/>
@@ -3932,6 +3953,7 @@
           <a:p>
             <a:fld id="{52AD8D46-7709-2A47-B75B-462F1E74D78A}" type="slidenum">
               <a:rPr lang="en-US" smtClean="0"/>
+              <a:pPr/>
               <a:t>‹#›</a:t>
             </a:fld>
             <a:endParaRPr lang="en-US"/>
@@ -4463,6 +4485,7 @@
           <a:p>
             <a:fld id="{63C4DA5F-B7ED-E443-8E78-78D5F5F02611}" type="datetimeFigureOut">
               <a:rPr lang="en-US" smtClean="0"/>
+              <a:pPr/>
               <a:t>4/24/13</a:t>
             </a:fld>
             <a:endParaRPr lang="en-US"/>
@@ -4505,6 +4528,7 @@
           <a:p>
             <a:fld id="{52AD8D46-7709-2A47-B75B-462F1E74D78A}" type="slidenum">
               <a:rPr lang="en-US" smtClean="0"/>
+              <a:pPr/>
               <a:t>‹#›</a:t>
             </a:fld>
             <a:endParaRPr lang="en-US"/>
@@ -4718,6 +4742,7 @@
           <a:p>
             <a:fld id="{63C4DA5F-B7ED-E443-8E78-78D5F5F02611}" type="datetimeFigureOut">
               <a:rPr lang="en-US" smtClean="0"/>
+              <a:pPr/>
               <a:t>4/24/13</a:t>
             </a:fld>
             <a:endParaRPr lang="en-US"/>
@@ -4760,6 +4785,7 @@
           <a:p>
             <a:fld id="{52AD8D46-7709-2A47-B75B-462F1E74D78A}" type="slidenum">
               <a:rPr lang="en-US" smtClean="0"/>
+              <a:pPr/>
               <a:t>‹#›</a:t>
             </a:fld>
             <a:endParaRPr lang="en-US"/>
@@ -5376,6 +5402,7 @@
           <a:p>
             <a:fld id="{63C4DA5F-B7ED-E443-8E78-78D5F5F02611}" type="datetimeFigureOut">
               <a:rPr lang="en-US" smtClean="0"/>
+              <a:pPr/>
               <a:t>4/24/13</a:t>
             </a:fld>
             <a:endParaRPr lang="en-US"/>
@@ -5418,6 +5445,7 @@
           <a:p>
             <a:fld id="{52AD8D46-7709-2A47-B75B-462F1E74D78A}" type="slidenum">
               <a:rPr lang="en-US" smtClean="0"/>
+              <a:pPr/>
               <a:t>‹#›</a:t>
             </a:fld>
             <a:endParaRPr lang="en-US"/>
@@ -5657,6 +5685,7 @@
           <a:p>
             <a:fld id="{63C4DA5F-B7ED-E443-8E78-78D5F5F02611}" type="datetimeFigureOut">
               <a:rPr lang="en-US" smtClean="0"/>
+              <a:pPr/>
               <a:t>4/24/13</a:t>
             </a:fld>
             <a:endParaRPr lang="en-US"/>
@@ -5699,6 +5728,7 @@
           <a:p>
             <a:fld id="{52AD8D46-7709-2A47-B75B-462F1E74D78A}" type="slidenum">
               <a:rPr lang="en-US" smtClean="0"/>
+              <a:pPr/>
               <a:t>‹#›</a:t>
             </a:fld>
             <a:endParaRPr lang="en-US"/>
@@ -6007,6 +6037,7 @@
           <a:p>
             <a:fld id="{63C4DA5F-B7ED-E443-8E78-78D5F5F02611}" type="datetimeFigureOut">
               <a:rPr lang="en-US" smtClean="0"/>
+              <a:pPr/>
               <a:t>4/24/13</a:t>
             </a:fld>
             <a:endParaRPr lang="en-US"/>
@@ -6085,6 +6116,7 @@
           <a:p>
             <a:fld id="{52AD8D46-7709-2A47-B75B-462F1E74D78A}" type="slidenum">
               <a:rPr lang="en-US" smtClean="0"/>
+              <a:pPr/>
               <a:t>‹#›</a:t>
             </a:fld>
             <a:endParaRPr lang="en-US"/>
@@ -6466,11 +6498,7 @@
             </a:r>
             <a:r>
               <a:rPr lang="en-US" dirty="0" err="1" smtClean="0"/>
-              <a:t>Predicci</a:t>
-            </a:r>
-            <a:r>
-              <a:rPr lang="en-US" dirty="0" err="1" smtClean="0"/>
-              <a:t>ón</a:t>
+              <a:t>Predicción</a:t>
             </a:r>
             <a:r>
               <a:rPr lang="en-US" dirty="0" smtClean="0"/>
@@ -6533,6 +6561,13 @@
   <p:clrMapOvr>
     <a:masterClrMapping/>
   </p:clrMapOvr>
+  <p:timing>
+    <p:tnLst>
+      <p:par>
+        <p:cTn id="1" dur="indefinite" restart="never" nodeType="tmRoot"/>
+      </p:par>
+    </p:tnLst>
+  </p:timing>
 </p:sld>
 </file>
 
@@ -6621,6 +6656,13 @@
   <p:clrMapOvr>
     <a:masterClrMapping/>
   </p:clrMapOvr>
+  <p:timing>
+    <p:tnLst>
+      <p:par>
+        <p:cTn id="1" dur="indefinite" restart="never" nodeType="tmRoot"/>
+      </p:par>
+    </p:tnLst>
+  </p:timing>
 </p:sld>
 </file>
 
@@ -6706,6 +6748,13 @@
   <p:clrMapOvr>
     <a:masterClrMapping/>
   </p:clrMapOvr>
+  <p:timing>
+    <p:tnLst>
+      <p:par>
+        <p:cTn id="1" dur="indefinite" restart="never" nodeType="tmRoot"/>
+      </p:par>
+    </p:tnLst>
+  </p:timing>
 </p:sld>
 </file>
 
@@ -6761,11 +6810,7 @@
             </a:r>
             <a:r>
               <a:rPr lang="en-US" sz="4100" dirty="0" err="1" smtClean="0"/>
-              <a:t>Implementaci</a:t>
-            </a:r>
-            <a:r>
-              <a:rPr lang="en-US" sz="4100" dirty="0" err="1" smtClean="0"/>
-              <a:t>ón</a:t>
+              <a:t>Implementación</a:t>
             </a:r>
             <a:endParaRPr lang="en-US" sz="4100" dirty="0"/>
           </a:p>
@@ -6844,11 +6889,7 @@
           <a:p>
             <a:r>
               <a:rPr lang="en-US" dirty="0" err="1" smtClean="0"/>
-              <a:t>Funci</a:t>
-            </a:r>
-            <a:r>
-              <a:rPr lang="en-US" dirty="0" err="1" smtClean="0"/>
-              <a:t>ón</a:t>
+              <a:t>Función</a:t>
             </a:r>
             <a:r>
               <a:rPr lang="en-US" dirty="0" smtClean="0"/>
@@ -6883,7 +6924,6 @@
               <a:rPr lang="en-US" dirty="0" smtClean="0"/>
               <a:t>Videos</a:t>
             </a:r>
-            <a:endParaRPr lang="en-US" dirty="0" smtClean="0"/>
           </a:p>
         </p:txBody>
       </p:sp>
@@ -6892,6 +6932,13 @@
   <p:clrMapOvr>
     <a:masterClrMapping/>
   </p:clrMapOvr>
+  <p:timing>
+    <p:tnLst>
+      <p:par>
+        <p:cTn id="1" dur="indefinite" restart="never" nodeType="tmRoot"/>
+      </p:par>
+    </p:tnLst>
+  </p:timing>
 </p:sld>
 </file>
 
@@ -6986,7 +7033,10 @@
               <a:rPr lang="en-US" dirty="0" err="1" smtClean="0"/>
               <a:t>Adaptativos</a:t>
             </a:r>
-            <a:endParaRPr lang="en-US" dirty="0" smtClean="0"/>
+            <a:r>
+              <a:rPr lang="en-US" dirty="0" smtClean="0"/>
+              <a:t> -&gt; X</a:t>
+            </a:r>
           </a:p>
           <a:p>
             <a:pPr lvl="1"/>
@@ -7006,7 +7056,7 @@
             <a:pPr lvl="1"/>
             <a:r>
               <a:rPr lang="en-US" dirty="0" smtClean="0"/>
-              <a:t>Rollback -&gt; X</a:t>
+              <a:t>Rollback</a:t>
             </a:r>
           </a:p>
           <a:p>
@@ -7035,11 +7085,7 @@
           <a:p>
             <a:r>
               <a:rPr lang="en-US" dirty="0" err="1" smtClean="0"/>
-              <a:t>Finalizac</a:t>
-            </a:r>
-            <a:r>
-              <a:rPr lang="en-US" dirty="0" err="1" smtClean="0"/>
-              <a:t>ión</a:t>
+              <a:t>Finalización</a:t>
             </a:r>
             <a:r>
               <a:rPr lang="en-US" dirty="0" smtClean="0"/>
@@ -7058,6 +7104,13 @@
   <p:clrMapOvr>
     <a:masterClrMapping/>
   </p:clrMapOvr>
+  <p:timing>
+    <p:tnLst>
+      <p:par>
+        <p:cTn id="1" dur="indefinite" restart="never" nodeType="tmRoot"/>
+      </p:par>
+    </p:tnLst>
+  </p:timing>
 </p:sld>
 </file>
 
@@ -7095,44 +7148,149 @@
           <a:p>
             <a:r>
               <a:rPr lang="en-US" dirty="0" err="1" smtClean="0"/>
-              <a:t>Evaluacion</a:t>
+              <a:t>Redes</a:t>
             </a:r>
             <a:r>
               <a:rPr lang="en-US" dirty="0" smtClean="0"/>
-              <a:t> del </a:t>
+              <a:t> </a:t>
             </a:r>
             <a:r>
               <a:rPr lang="en-US" dirty="0" err="1" smtClean="0"/>
-              <a:t>problema</a:t>
+              <a:t>Neuronales</a:t>
+            </a:r>
+            <a:r>
+              <a:rPr lang="en-US" dirty="0" smtClean="0"/>
+              <a:t>: </a:t>
+            </a:r>
+            <a:r>
+              <a:rPr lang="en-US" dirty="0" err="1" smtClean="0"/>
+              <a:t>Ejemplo</a:t>
             </a:r>
             <a:endParaRPr lang="en-US" dirty="0"/>
           </a:p>
         </p:txBody>
       </p:sp>
-      <p:sp>
-        <p:nvSpPr>
-          <p:cNvPr id="3" name="Content Placeholder 2"/>
-          <p:cNvSpPr>
-            <a:spLocks noGrp="1"/>
-          </p:cNvSpPr>
+      <p:pic>
+        <p:nvPicPr>
+          <p:cNvPr id="4" name="video2.avi">
+            <a:hlinkClick r:id="" action="ppaction://media"/>
+          </p:cNvPr>
+          <p:cNvPicPr/>
           <p:nvPr>
             <p:ph idx="1"/>
-          </p:nvPr>
-        </p:nvSpPr>
-        <p:spPr/>
-        <p:txBody>
-          <a:bodyPr/>
-          <a:lstStyle/>
-          <a:p>
-            <a:endParaRPr lang="en-US"/>
-          </a:p>
-        </p:txBody>
-      </p:sp>
+            <a:videoFile r:link="rId1"/>
+          </p:nvPr>
+        </p:nvPicPr>
+        <p:blipFill>
+          <a:blip r:embed="rId3"/>
+          <a:stretch>
+            <a:fillRect/>
+          </a:stretch>
+        </p:blipFill>
+        <p:spPr>
+          <a:xfrm>
+            <a:off x="1796256" y="1741487"/>
+            <a:ext cx="5524500" cy="4356100"/>
+          </a:xfrm>
+        </p:spPr>
+      </p:pic>
     </p:spTree>
   </p:cSld>
   <p:clrMapOvr>
     <a:masterClrMapping/>
   </p:clrMapOvr>
+  <p:timing>
+    <p:tnLst>
+      <p:par>
+        <p:cTn id="1" dur="indefinite" restart="never" nodeType="tmRoot">
+          <p:childTnLst>
+            <p:seq concurrent="1" nextAc="seek">
+              <p:cTn id="2" restart="whenNotActive" fill="hold" evtFilter="cancelBubble" nodeType="interactiveSeq">
+                <p:stCondLst>
+                  <p:cond evt="onClick" delay="0">
+                    <p:tgtEl>
+                      <p:spTgt spid="4"/>
+                    </p:tgtEl>
+                  </p:cond>
+                </p:stCondLst>
+                <p:endSync evt="end" delay="0">
+                  <p:rtn val="all"/>
+                </p:endSync>
+                <p:childTnLst>
+                  <p:par>
+                    <p:cTn id="3" fill="hold">
+                      <p:stCondLst>
+                        <p:cond delay="0"/>
+                      </p:stCondLst>
+                      <p:childTnLst>
+                        <p:par>
+                          <p:cTn id="4" fill="hold">
+                            <p:stCondLst>
+                              <p:cond delay="0"/>
+                            </p:stCondLst>
+                            <p:childTnLst>
+                              <p:par>
+                                <p:cTn id="5" presetID="2" presetClass="mediacall" presetSubtype="0" fill="hold" nodeType="clickEffect">
+                                  <p:stCondLst>
+                                    <p:cond delay="0"/>
+                                  </p:stCondLst>
+                                  <p:childTnLst>
+                                    <p:cmd type="call" cmd="togglePause">
+                                      <p:cBhvr>
+                                        <p:cTn id="6" dur="1" fill="hold"/>
+                                        <p:tgtEl>
+                                          <p:spTgt spid="4"/>
+                                        </p:tgtEl>
+                                      </p:cBhvr>
+                                    </p:cmd>
+                                  </p:childTnLst>
+                                </p:cTn>
+                              </p:par>
+                            </p:childTnLst>
+                          </p:cTn>
+                        </p:par>
+                      </p:childTnLst>
+                    </p:cTn>
+                  </p:par>
+                </p:childTnLst>
+              </p:cTn>
+              <p:nextCondLst>
+                <p:cond evt="onClick" delay="0">
+                  <p:tgtEl>
+                    <p:spTgt spid="4"/>
+                  </p:tgtEl>
+                </p:cond>
+              </p:nextCondLst>
+            </p:seq>
+            <p:video>
+              <p:cMediaNode>
+                <p:cTn id="7" fill="hold" display="0">
+                  <p:stCondLst>
+                    <p:cond delay="indefinite"/>
+                  </p:stCondLst>
+                  <p:endCondLst>
+                    <p:cond evt="onNext" delay="0">
+                      <p:tgtEl>
+                        <p:sldTgt/>
+                      </p:tgtEl>
+                    </p:cond>
+                    <p:cond evt="onPrev" delay="0">
+                      <p:tgtEl>
+                        <p:sldTgt/>
+                      </p:tgtEl>
+                    </p:cond>
+                  </p:endCondLst>
+                </p:cTn>
+                <p:tgtEl>
+                  <p:spTgt spid="4"/>
+                </p:tgtEl>
+              </p:cMediaNode>
+            </p:video>
+          </p:childTnLst>
+        </p:cTn>
+      </p:par>
+    </p:tnLst>
+  </p:timing>
 </p:sld>
 </file>
 
@@ -7170,7 +7328,15 @@
           <a:p>
             <a:r>
               <a:rPr lang="en-US" dirty="0" err="1" smtClean="0"/>
-              <a:t>Conclusiones</a:t>
+              <a:t>Evaluacion</a:t>
+            </a:r>
+            <a:r>
+              <a:rPr lang="en-US" dirty="0" smtClean="0"/>
+              <a:t> del </a:t>
+            </a:r>
+            <a:r>
+              <a:rPr lang="en-US" dirty="0" err="1" smtClean="0"/>
+              <a:t>problema</a:t>
             </a:r>
             <a:endParaRPr lang="en-US" dirty="0"/>
           </a:p>
@@ -7200,6 +7366,13 @@
   <p:clrMapOvr>
     <a:masterClrMapping/>
   </p:clrMapOvr>
+  <p:timing>
+    <p:tnLst>
+      <p:par>
+        <p:cTn id="1" dur="indefinite" restart="never" nodeType="tmRoot"/>
+      </p:par>
+    </p:tnLst>
+  </p:timing>
 </p:sld>
 </file>
 
@@ -7236,12 +7409,82 @@
           <a:lstStyle/>
           <a:p>
             <a:r>
+              <a:rPr lang="en-US" dirty="0" err="1" smtClean="0"/>
+              <a:t>Conclusiones</a:t>
+            </a:r>
+            <a:endParaRPr lang="en-US" dirty="0"/>
+          </a:p>
+        </p:txBody>
+      </p:sp>
+      <p:sp>
+        <p:nvSpPr>
+          <p:cNvPr id="3" name="Content Placeholder 2"/>
+          <p:cNvSpPr>
+            <a:spLocks noGrp="1"/>
+          </p:cNvSpPr>
+          <p:nvPr>
+            <p:ph idx="1"/>
+          </p:nvPr>
+        </p:nvSpPr>
+        <p:spPr/>
+        <p:txBody>
+          <a:bodyPr/>
+          <a:lstStyle/>
+          <a:p>
+            <a:endParaRPr lang="en-US"/>
+          </a:p>
+        </p:txBody>
+      </p:sp>
+    </p:spTree>
+  </p:cSld>
+  <p:clrMapOvr>
+    <a:masterClrMapping/>
+  </p:clrMapOvr>
+  <p:timing>
+    <p:tnLst>
+      <p:par>
+        <p:cTn id="1" dur="indefinite" restart="never" nodeType="tmRoot"/>
+      </p:par>
+    </p:tnLst>
+  </p:timing>
+</p:sld>
+</file>
+
+<file path=ppt/slides/slide9.xml><?xml version="1.0" encoding="utf-8"?>
+<p:sld xmlns:a="http://schemas.openxmlformats.org/drawingml/2006/main" xmlns:r="http://schemas.openxmlformats.org/officeDocument/2006/relationships" xmlns:mc="http://schemas.openxmlformats.org/markup-compatibility/2006" xmlns:mv="urn:schemas-microsoft-com:mac:vml" xmlns:p="http://schemas.openxmlformats.org/presentationml/2006/main" mc:Ignorable="mv" mc:PreserveAttributes="mv:*">
+  <p:cSld>
+    <p:spTree>
+      <p:nvGrpSpPr>
+        <p:cNvPr id="1" name=""/>
+        <p:cNvGrpSpPr/>
+        <p:nvPr/>
+      </p:nvGrpSpPr>
+      <p:grpSpPr>
+        <a:xfrm>
+          <a:off x="0" y="0"/>
+          <a:ext cx="0" cy="0"/>
+          <a:chOff x="0" y="0"/>
+          <a:chExt cx="0" cy="0"/>
+        </a:xfrm>
+      </p:grpSpPr>
+      <p:sp>
+        <p:nvSpPr>
+          <p:cNvPr id="2" name="Title 1"/>
+          <p:cNvSpPr>
+            <a:spLocks noGrp="1"/>
+          </p:cNvSpPr>
+          <p:nvPr>
+            <p:ph type="title"/>
+          </p:nvPr>
+        </p:nvSpPr>
+        <p:spPr/>
+        <p:txBody>
+          <a:bodyPr/>
+          <a:lstStyle/>
+          <a:p>
+            <a:r>
               <a:rPr lang="en-US" dirty="0" smtClean="0"/>
-              <a:t>¡</a:t>
-            </a:r>
-            <a:r>
-              <a:rPr lang="en-US" dirty="0" smtClean="0"/>
-              <a:t>Gracias!</a:t>
+              <a:t>¡Gracias!</a:t>
             </a:r>
             <a:endParaRPr lang="en-US" dirty="0"/>
           </a:p>
@@ -7271,6 +7514,13 @@
   <p:clrMapOvr>
     <a:masterClrMapping/>
   </p:clrMapOvr>
+  <p:timing>
+    <p:tnLst>
+      <p:par>
+        <p:cTn id="1" dur="indefinite" restart="never" nodeType="tmRoot"/>
+      </p:par>
+    </p:tnLst>
+  </p:timing>
 </p:sld>
 </file>
 
